--- a/documents/발표/[2차발표]개발중간보고안_V1.pptx
+++ b/documents/발표/[2차발표]개발중간보고안_V1.pptx
@@ -5,17 +5,18 @@
     <p:sldMasterId id="2147483648" r:id="rId1"/>
   </p:sldMasterIdLst>
   <p:notesMasterIdLst>
-    <p:notesMasterId r:id="rId10"/>
+    <p:notesMasterId r:id="rId11"/>
   </p:notesMasterIdLst>
   <p:sldIdLst>
     <p:sldId id="256" r:id="rId2"/>
     <p:sldId id="257" r:id="rId3"/>
     <p:sldId id="258" r:id="rId4"/>
     <p:sldId id="273" r:id="rId5"/>
-    <p:sldId id="260" r:id="rId6"/>
-    <p:sldId id="277" r:id="rId7"/>
-    <p:sldId id="275" r:id="rId8"/>
-    <p:sldId id="276" r:id="rId9"/>
+    <p:sldId id="278" r:id="rId6"/>
+    <p:sldId id="260" r:id="rId7"/>
+    <p:sldId id="277" r:id="rId8"/>
+    <p:sldId id="275" r:id="rId9"/>
+    <p:sldId id="276" r:id="rId10"/>
   </p:sldIdLst>
   <p:sldSz cx="18288000" cy="10287000"/>
   <p:notesSz cx="10287000" cy="18288000"/>
@@ -632,7 +633,7 @@
           <a:p>
             <a:fld id="{8EA0FDB5-2144-418E-A194-8E8E7C6CCF5E}" type="slidenum">
               <a:rPr lang="ko-KR" altLang="en-US" smtClean="0"/>
-              <a:t>5</a:t>
+              <a:t>6</a:t>
             </a:fld>
             <a:endParaRPr lang="ko-KR" altLang="en-US"/>
           </a:p>
@@ -7448,6 +7449,91 @@
 
 <file path=ppt/slides/slide5.xml><?xml version="1.0" encoding="utf-8"?>
 <p:sld xmlns:a="http://schemas.openxmlformats.org/drawingml/2006/main" xmlns:r="http://schemas.openxmlformats.org/officeDocument/2006/relationships" xmlns:p="http://schemas.openxmlformats.org/presentationml/2006/main">
+  <p:cSld>
+    <p:spTree>
+      <p:nvGrpSpPr>
+        <p:cNvPr id="1" name=""/>
+        <p:cNvGrpSpPr/>
+        <p:nvPr/>
+      </p:nvGrpSpPr>
+      <p:grpSpPr>
+        <a:xfrm>
+          <a:off x="0" y="0"/>
+          <a:ext cx="0" cy="0"/>
+          <a:chOff x="0" y="0"/>
+          <a:chExt cx="0" cy="0"/>
+        </a:xfrm>
+      </p:grpSpPr>
+      <p:pic>
+        <p:nvPicPr>
+          <p:cNvPr id="2" name="그림 1"/>
+          <p:cNvPicPr>
+            <a:picLocks noChangeAspect="1"/>
+          </p:cNvPicPr>
+          <p:nvPr/>
+        </p:nvPicPr>
+        <p:blipFill>
+          <a:blip r:embed="rId2"/>
+          <a:stretch>
+            <a:fillRect/>
+          </a:stretch>
+        </p:blipFill>
+        <p:spPr>
+          <a:xfrm>
+            <a:off x="2838450" y="1552575"/>
+            <a:ext cx="12611100" cy="7181850"/>
+          </a:xfrm>
+          <a:prstGeom prst="rect">
+            <a:avLst/>
+          </a:prstGeom>
+        </p:spPr>
+      </p:pic>
+      <p:pic>
+        <p:nvPicPr>
+          <p:cNvPr id="3" name="Object 2"/>
+          <p:cNvPicPr>
+            <a:picLocks noChangeAspect="1"/>
+          </p:cNvPicPr>
+          <p:nvPr/>
+        </p:nvPicPr>
+        <p:blipFill>
+          <a:blip r:embed="rId3" cstate="print"/>
+          <a:stretch>
+            <a:fillRect/>
+          </a:stretch>
+        </p:blipFill>
+        <p:spPr>
+          <a:xfrm>
+            <a:off x="253019" y="221593"/>
+            <a:ext cx="2533333" cy="1457143"/>
+          </a:xfrm>
+          <a:prstGeom prst="rect">
+            <a:avLst/>
+          </a:prstGeom>
+        </p:spPr>
+      </p:pic>
+    </p:spTree>
+    <p:extLst>
+      <p:ext uri="{BB962C8B-B14F-4D97-AF65-F5344CB8AC3E}">
+        <p14:creationId xmlns:p14="http://schemas.microsoft.com/office/powerpoint/2010/main" val="2153756250"/>
+      </p:ext>
+    </p:extLst>
+  </p:cSld>
+  <p:clrMapOvr>
+    <a:masterClrMapping/>
+  </p:clrMapOvr>
+  <p:timing>
+    <p:tnLst>
+      <p:par>
+        <p:cTn id="1" dur="indefinite" restart="never" nodeType="tmRoot"/>
+      </p:par>
+    </p:tnLst>
+  </p:timing>
+</p:sld>
+</file>
+
+<file path=ppt/slides/slide6.xml><?xml version="1.0" encoding="utf-8"?>
+<p:sld xmlns:a="http://schemas.openxmlformats.org/drawingml/2006/main" xmlns:r="http://schemas.openxmlformats.org/officeDocument/2006/relationships" xmlns:p="http://schemas.openxmlformats.org/presentationml/2006/main">
   <p:cSld name="Slide 5">
     <p:bg>
       <p:bgPr>
@@ -8182,7 +8268,7 @@
 </p:sld>
 </file>
 
-<file path=ppt/slides/slide6.xml><?xml version="1.0" encoding="utf-8"?>
+<file path=ppt/slides/slide7.xml><?xml version="1.0" encoding="utf-8"?>
 <p:sld xmlns:a="http://schemas.openxmlformats.org/drawingml/2006/main" xmlns:r="http://schemas.openxmlformats.org/officeDocument/2006/relationships" xmlns:p="http://schemas.openxmlformats.org/presentationml/2006/main">
   <p:cSld>
     <p:spTree>
@@ -8431,10 +8517,17 @@
   <p:clrMapOvr>
     <a:masterClrMapping/>
   </p:clrMapOvr>
+  <p:timing>
+    <p:tnLst>
+      <p:par>
+        <p:cTn id="1" dur="indefinite" restart="never" nodeType="tmRoot"/>
+      </p:par>
+    </p:tnLst>
+  </p:timing>
 </p:sld>
 </file>
 
-<file path=ppt/slides/slide7.xml><?xml version="1.0" encoding="utf-8"?>
+<file path=ppt/slides/slide8.xml><?xml version="1.0" encoding="utf-8"?>
 <p:sld xmlns:a="http://schemas.openxmlformats.org/drawingml/2006/main" xmlns:r="http://schemas.openxmlformats.org/officeDocument/2006/relationships" xmlns:p="http://schemas.openxmlformats.org/presentationml/2006/main">
   <p:cSld>
     <p:spTree>
@@ -8545,7 +8638,7 @@
 </p:sld>
 </file>
 
-<file path=ppt/slides/slide8.xml><?xml version="1.0" encoding="utf-8"?>
+<file path=ppt/slides/slide9.xml><?xml version="1.0" encoding="utf-8"?>
 <p:sld xmlns:a="http://schemas.openxmlformats.org/drawingml/2006/main" xmlns:r="http://schemas.openxmlformats.org/officeDocument/2006/relationships" xmlns:p="http://schemas.openxmlformats.org/presentationml/2006/main">
   <p:cSld>
     <p:spTree>
